--- a/training-cards/music moves/Tomatoes (TOM)/ger/apprentice/ger_TOM_20_Spiele_mit_dem_Plan_AM_A.pptx
+++ b/training-cards/music moves/Tomatoes (TOM)/ger/apprentice/ger_TOM_20_Spiele_mit_dem_Plan_AM_A.pptx
@@ -169,10 +169,9 @@
           </a:lstStyle>
           <a:p>
             <a:r>
-              <a:rPr lang="de-DE" dirty="0" smtClean="0"/>
+              <a:rPr lang="de-DE" dirty="0"/>
               <a:t>TITEL HINZUFÜGEN</a:t>
             </a:r>
-            <a:endParaRPr lang="de-DE" dirty="0"/>
           </a:p>
         </p:txBody>
       </p:sp>
@@ -203,35 +202,35 @@
           <a:p>
             <a:pPr lvl="0"/>
             <a:r>
-              <a:rPr lang="de-DE" smtClean="0"/>
+              <a:rPr lang="de-DE"/>
               <a:t>Mastertextformat bearbeiten</a:t>
             </a:r>
           </a:p>
           <a:p>
             <a:pPr lvl="1"/>
             <a:r>
-              <a:rPr lang="de-DE" smtClean="0"/>
+              <a:rPr lang="de-DE"/>
               <a:t>Zweite Ebene</a:t>
             </a:r>
           </a:p>
           <a:p>
             <a:pPr lvl="2"/>
             <a:r>
-              <a:rPr lang="de-DE" smtClean="0"/>
+              <a:rPr lang="de-DE"/>
               <a:t>Dritte Ebene</a:t>
             </a:r>
           </a:p>
           <a:p>
             <a:pPr lvl="3"/>
             <a:r>
-              <a:rPr lang="de-DE" smtClean="0"/>
+              <a:rPr lang="de-DE"/>
               <a:t>Vierte Ebene</a:t>
             </a:r>
           </a:p>
           <a:p>
             <a:pPr lvl="4"/>
             <a:r>
-              <a:rPr lang="de-DE" smtClean="0"/>
+              <a:rPr lang="de-DE"/>
               <a:t>Fünfte Ebene</a:t>
             </a:r>
             <a:endParaRPr lang="de-DE" dirty="0"/>
@@ -278,7 +277,7 @@
               <a:buNone/>
             </a:pPr>
             <a:r>
-              <a:rPr lang="de-DE" smtClean="0"/>
+              <a:rPr lang="de-DE"/>
               <a:t>Master-Untertitelformat bearbeiten</a:t>
             </a:r>
             <a:endParaRPr lang="de-DE" dirty="0"/>
@@ -394,35 +393,35 @@
           <a:p>
             <a:pPr lvl="0"/>
             <a:r>
-              <a:rPr lang="de-DE" smtClean="0"/>
+              <a:rPr lang="de-DE"/>
               <a:t>Mastertextformat bearbeiten</a:t>
             </a:r>
           </a:p>
           <a:p>
             <a:pPr lvl="1"/>
             <a:r>
-              <a:rPr lang="de-DE" smtClean="0"/>
+              <a:rPr lang="de-DE"/>
               <a:t>Zweite Ebene</a:t>
             </a:r>
           </a:p>
           <a:p>
             <a:pPr lvl="2"/>
             <a:r>
-              <a:rPr lang="de-DE" smtClean="0"/>
+              <a:rPr lang="de-DE"/>
               <a:t>Dritte Ebene</a:t>
             </a:r>
           </a:p>
           <a:p>
             <a:pPr lvl="3"/>
             <a:r>
-              <a:rPr lang="de-DE" smtClean="0"/>
+              <a:rPr lang="de-DE"/>
               <a:t>Vierte Ebene</a:t>
             </a:r>
           </a:p>
           <a:p>
             <a:pPr lvl="4"/>
             <a:r>
-              <a:rPr lang="de-DE" smtClean="0"/>
+              <a:rPr lang="de-DE"/>
               <a:t>Fünfte Ebene</a:t>
             </a:r>
             <a:endParaRPr lang="de-DE" dirty="0"/>
@@ -452,7 +451,7 @@
           <a:lstStyle/>
           <a:p>
             <a:r>
-              <a:rPr lang="de-DE" sz="2400" dirty="0" smtClean="0">
+              <a:rPr lang="de-DE" sz="2400" dirty="0">
                 <a:solidFill>
                   <a:srgbClr val="7E006B"/>
                 </a:solidFill>
@@ -462,7 +461,7 @@
               <a:t>TRAININGS</a:t>
             </a:r>
             <a:r>
-              <a:rPr lang="de-DE" sz="2400" dirty="0" smtClean="0">
+              <a:rPr lang="de-DE" sz="2400" dirty="0">
                 <a:solidFill>
                   <a:srgbClr val="7E006B"/>
                 </a:solidFill>
@@ -513,14 +512,20 @@
       </p:pic>
       <p:sp>
         <p:nvSpPr>
-          <p:cNvPr id="5" name="Shape 7"/>
+          <p:cNvPr id="4" name="Shape 7">
+            <a:extLst>
+              <a:ext uri="{FF2B5EF4-FFF2-40B4-BE49-F238E27FC236}">
+                <a16:creationId xmlns:a16="http://schemas.microsoft.com/office/drawing/2014/main" id="{21F17084-F4D4-A871-83EC-EE6CD2346627}"/>
+              </a:ext>
+            </a:extLst>
+          </p:cNvPr>
           <p:cNvSpPr/>
           <p:nvPr userDrawn="1"/>
         </p:nvSpPr>
         <p:spPr>
           <a:xfrm>
-            <a:off x="1683417" y="4952581"/>
-            <a:ext cx="4196016" cy="276995"/>
+            <a:off x="971550" y="4689585"/>
+            <a:ext cx="4691860" cy="461661"/>
           </a:xfrm>
           <a:prstGeom prst="rect">
             <a:avLst/>
@@ -530,12 +535,12 @@
           </a:ln>
           <a:extLst>
             <a:ext uri="{C572A759-6A51-4108-AA02-DFA0A04FC94B}">
-              <ma14:wrappingTextBoxFlag xmlns:ma14="http://schemas.microsoft.com/office/mac/drawingml/2011/main" val="1"/>
+              <ma14:wrappingTextBoxFlag xmlns:ma14="http://schemas.microsoft.com/office/mac/drawingml/2011/main" xmlns="" val="1"/>
             </a:ext>
           </a:extLst>
         </p:spPr>
         <p:txBody>
-          <a:bodyPr wrap="none" lIns="45718" tIns="45718" rIns="45718" bIns="45718">
+          <a:bodyPr wrap="square" lIns="45718" tIns="45718" rIns="45718" bIns="45718">
             <a:spAutoFit/>
           </a:bodyPr>
           <a:lstStyle/>
@@ -544,49 +549,266 @@
               <a:defRPr sz="1800"/>
             </a:pPr>
             <a:r>
-              <a:rPr sz="600" dirty="0">
-                <a:latin typeface="Avenir Light"/>
+              <a:rPr lang="de-DE" sz="800" b="0" i="0" u="none" strike="noStrike" dirty="0" err="1">
+                <a:solidFill>
+                  <a:schemeClr val="tx1">
+                    <a:lumMod val="65000"/>
+                    <a:lumOff val="35000"/>
+                  </a:schemeClr>
+                </a:solidFill>
+                <a:effectLst/>
+                <a:latin typeface="Avenir Book" panose="02000503020000020003" pitchFamily="2" charset="0"/>
+              </a:rPr>
+              <a:t>music</a:t>
+            </a:r>
+            <a:r>
+              <a:rPr lang="de-DE" sz="800" b="0" i="0" u="none" strike="noStrike" dirty="0">
+                <a:solidFill>
+                  <a:schemeClr val="tx1">
+                    <a:lumMod val="65000"/>
+                    <a:lumOff val="35000"/>
+                  </a:schemeClr>
+                </a:solidFill>
+                <a:effectLst/>
+                <a:latin typeface="Avenir Book" panose="02000503020000020003" pitchFamily="2" charset="0"/>
+              </a:rPr>
+              <a:t> </a:t>
+            </a:r>
+            <a:r>
+              <a:rPr lang="de-DE" sz="800" b="0" i="0" u="none" strike="noStrike" dirty="0" err="1">
+                <a:solidFill>
+                  <a:schemeClr val="tx1">
+                    <a:lumMod val="65000"/>
+                    <a:lumOff val="35000"/>
+                  </a:schemeClr>
+                </a:solidFill>
+                <a:effectLst/>
+                <a:latin typeface="Avenir Book" panose="02000503020000020003" pitchFamily="2" charset="0"/>
+              </a:rPr>
+              <a:t>moves</a:t>
+            </a:r>
+            <a:r>
+              <a:rPr lang="de-DE" sz="800" b="0" i="0" u="none" strike="noStrike" dirty="0">
+                <a:solidFill>
+                  <a:schemeClr val="tx1">
+                    <a:lumMod val="65000"/>
+                    <a:lumOff val="35000"/>
+                  </a:schemeClr>
+                </a:solidFill>
+                <a:effectLst/>
+                <a:latin typeface="Avenir Book" panose="02000503020000020003" pitchFamily="2" charset="0"/>
+              </a:rPr>
+              <a:t>-Trainingskarten von Regina Brandhuber sind lizenziert unter einer Creative Commons </a:t>
+            </a:r>
+          </a:p>
+          <a:p>
+            <a:pPr lvl="0" algn="ctr">
+              <a:defRPr sz="1800"/>
+            </a:pPr>
+            <a:r>
+              <a:rPr lang="de-DE" sz="800" b="0" i="0" u="none" strike="noStrike" dirty="0">
+                <a:solidFill>
+                  <a:schemeClr val="tx1">
+                    <a:lumMod val="65000"/>
+                    <a:lumOff val="35000"/>
+                  </a:schemeClr>
+                </a:solidFill>
+                <a:effectLst/>
+                <a:latin typeface="Avenir Book" panose="02000503020000020003" pitchFamily="2" charset="0"/>
+              </a:rPr>
+              <a:t>Namensnennung-Nicht kommerziell 4.0 International Lizenz.</a:t>
+            </a:r>
+          </a:p>
+          <a:p>
+            <a:pPr lvl="0" algn="ctr">
+              <a:defRPr sz="1800"/>
+            </a:pPr>
+            <a:r>
+              <a:rPr lang="de-DE" sz="800" dirty="0">
+                <a:solidFill>
+                  <a:schemeClr val="tx1">
+                    <a:lumMod val="65000"/>
+                    <a:lumOff val="35000"/>
+                  </a:schemeClr>
+                </a:solidFill>
+                <a:latin typeface="Avenir Book" panose="02000503020000020003" pitchFamily="2" charset="0"/>
                 <a:ea typeface="Calibri"/>
                 <a:cs typeface="Avenir Light"/>
                 <a:sym typeface="Calibri"/>
               </a:rPr>
-              <a:t>This work is licensed under the Creative Commons Attribution-NonCommercial-NoDerivatives 4.0 International License. </a:t>
-            </a:r>
-          </a:p>
-          <a:p>
-            <a:pPr lvl="0" algn="ctr">
-              <a:defRPr sz="1800"/>
-            </a:pPr>
-            <a:r>
-              <a:rPr sz="600" dirty="0">
-                <a:latin typeface="Avenir Light"/>
+              <a:t>Nachzulesen unter:</a:t>
+            </a:r>
+            <a:r>
+              <a:rPr sz="800" dirty="0">
+                <a:solidFill>
+                  <a:schemeClr val="tx1">
+                    <a:lumMod val="65000"/>
+                    <a:lumOff val="35000"/>
+                  </a:schemeClr>
+                </a:solidFill>
+                <a:latin typeface="Avenir Book" panose="02000503020000020003" pitchFamily="2" charset="0"/>
                 <a:ea typeface="Calibri"/>
                 <a:cs typeface="Avenir Light"/>
                 <a:sym typeface="Calibri"/>
               </a:rPr>
-              <a:t>To view a copy of this license, visit http://creativecommons.org/licenses/by-nc-nd/4.0/.</a:t>
-            </a:r>
+              <a:t> </a:t>
+            </a:r>
+            <a:r>
+              <a:rPr lang="de-DE" sz="800" dirty="0">
+                <a:solidFill>
+                  <a:schemeClr val="tx1">
+                    <a:lumMod val="65000"/>
+                    <a:lumOff val="35000"/>
+                  </a:schemeClr>
+                </a:solidFill>
+                <a:latin typeface="Avenir Book" panose="02000503020000020003" pitchFamily="2" charset="0"/>
+                <a:ea typeface="Calibri"/>
+                <a:cs typeface="Avenir Light"/>
+                <a:sym typeface="Calibri"/>
+              </a:rPr>
+              <a:t>https://</a:t>
+            </a:r>
+            <a:r>
+              <a:rPr lang="de-DE" sz="800" dirty="0" err="1">
+                <a:solidFill>
+                  <a:schemeClr val="tx1">
+                    <a:lumMod val="65000"/>
+                    <a:lumOff val="35000"/>
+                  </a:schemeClr>
+                </a:solidFill>
+                <a:latin typeface="Avenir Book" panose="02000503020000020003" pitchFamily="2" charset="0"/>
+                <a:ea typeface="Calibri"/>
+                <a:cs typeface="Avenir Light"/>
+                <a:sym typeface="Calibri"/>
+              </a:rPr>
+              <a:t>creativecommons.org</a:t>
+            </a:r>
+            <a:r>
+              <a:rPr lang="de-DE" sz="800" dirty="0">
+                <a:solidFill>
+                  <a:schemeClr val="tx1">
+                    <a:lumMod val="65000"/>
+                    <a:lumOff val="35000"/>
+                  </a:schemeClr>
+                </a:solidFill>
+                <a:latin typeface="Avenir Book" panose="02000503020000020003" pitchFamily="2" charset="0"/>
+                <a:ea typeface="Calibri"/>
+                <a:cs typeface="Avenir Light"/>
+                <a:sym typeface="Calibri"/>
+              </a:rPr>
+              <a:t>/</a:t>
+            </a:r>
+            <a:r>
+              <a:rPr lang="de-DE" sz="800" dirty="0" err="1">
+                <a:solidFill>
+                  <a:schemeClr val="tx1">
+                    <a:lumMod val="65000"/>
+                    <a:lumOff val="35000"/>
+                  </a:schemeClr>
+                </a:solidFill>
+                <a:latin typeface="Avenir Book" panose="02000503020000020003" pitchFamily="2" charset="0"/>
+                <a:ea typeface="Calibri"/>
+                <a:cs typeface="Avenir Light"/>
+                <a:sym typeface="Calibri"/>
+              </a:rPr>
+              <a:t>licenses</a:t>
+            </a:r>
+            <a:r>
+              <a:rPr lang="de-DE" sz="800" dirty="0">
+                <a:solidFill>
+                  <a:schemeClr val="tx1">
+                    <a:lumMod val="65000"/>
+                    <a:lumOff val="35000"/>
+                  </a:schemeClr>
+                </a:solidFill>
+                <a:latin typeface="Avenir Book" panose="02000503020000020003" pitchFamily="2" charset="0"/>
+                <a:ea typeface="Calibri"/>
+                <a:cs typeface="Avenir Light"/>
+                <a:sym typeface="Calibri"/>
+              </a:rPr>
+              <a:t>/</a:t>
+            </a:r>
+            <a:r>
+              <a:rPr lang="de-DE" sz="800" dirty="0" err="1">
+                <a:solidFill>
+                  <a:schemeClr val="tx1">
+                    <a:lumMod val="65000"/>
+                    <a:lumOff val="35000"/>
+                  </a:schemeClr>
+                </a:solidFill>
+                <a:latin typeface="Avenir Book" panose="02000503020000020003" pitchFamily="2" charset="0"/>
+                <a:ea typeface="Calibri"/>
+                <a:cs typeface="Avenir Light"/>
+                <a:sym typeface="Calibri"/>
+              </a:rPr>
+              <a:t>by-nc</a:t>
+            </a:r>
+            <a:r>
+              <a:rPr lang="de-DE" sz="800" dirty="0">
+                <a:solidFill>
+                  <a:schemeClr val="tx1">
+                    <a:lumMod val="65000"/>
+                    <a:lumOff val="35000"/>
+                  </a:schemeClr>
+                </a:solidFill>
+                <a:latin typeface="Avenir Book" panose="02000503020000020003" pitchFamily="2" charset="0"/>
+                <a:ea typeface="Calibri"/>
+                <a:cs typeface="Avenir Light"/>
+                <a:sym typeface="Calibri"/>
+              </a:rPr>
+              <a:t>/4.0/</a:t>
+            </a:r>
+            <a:r>
+              <a:rPr lang="de-DE" sz="800" dirty="0" err="1">
+                <a:solidFill>
+                  <a:schemeClr val="tx1">
+                    <a:lumMod val="65000"/>
+                    <a:lumOff val="35000"/>
+                  </a:schemeClr>
+                </a:solidFill>
+                <a:latin typeface="Avenir Book" panose="02000503020000020003" pitchFamily="2" charset="0"/>
+                <a:ea typeface="Calibri"/>
+                <a:cs typeface="Avenir Light"/>
+                <a:sym typeface="Calibri"/>
+              </a:rPr>
+              <a:t>deed.de</a:t>
+            </a:r>
+            <a:endParaRPr sz="800" dirty="0">
+              <a:solidFill>
+                <a:schemeClr val="tx1">
+                  <a:lumMod val="65000"/>
+                  <a:lumOff val="35000"/>
+                </a:schemeClr>
+              </a:solidFill>
+              <a:latin typeface="Avenir Book" panose="02000503020000020003" pitchFamily="2" charset="0"/>
+              <a:ea typeface="Calibri"/>
+              <a:cs typeface="Avenir Light"/>
+              <a:sym typeface="Calibri"/>
+            </a:endParaRPr>
           </a:p>
         </p:txBody>
       </p:sp>
       <p:pic>
         <p:nvPicPr>
-          <p:cNvPr id="6" name="pasted-image.tif"/>
+          <p:cNvPr id="8" name="pasted-image.tif">
+            <a:extLst>
+              <a:ext uri="{FF2B5EF4-FFF2-40B4-BE49-F238E27FC236}">
+                <a16:creationId xmlns:a16="http://schemas.microsoft.com/office/drawing/2014/main" id="{1258F137-F0C3-AD5F-97F6-6FE2D6CD650F}"/>
+              </a:ext>
+            </a:extLst>
+          </p:cNvPr>
           <p:cNvPicPr/>
           <p:nvPr userDrawn="1"/>
         </p:nvPicPr>
-        <p:blipFill>
-          <a:blip r:embed="rId4">
-            <a:extLst/>
-          </a:blip>
-          <a:stretch>
-            <a:fillRect/>
-          </a:stretch>
+        <p:blipFill rotWithShape="1">
+          <a:blip r:embed="rId4"/>
+          <a:srcRect r="24777" b="-3233"/>
+          <a:stretch/>
         </p:blipFill>
         <p:spPr>
           <a:xfrm>
-            <a:off x="6174185" y="4992838"/>
-            <a:ext cx="886619" cy="214128"/>
+            <a:off x="5724347" y="4733926"/>
+            <a:ext cx="1009828" cy="333374"/>
           </a:xfrm>
           <a:prstGeom prst="rect">
             <a:avLst/>
@@ -596,58 +818,6 @@
           </a:ln>
         </p:spPr>
       </p:pic>
-      <p:sp>
-        <p:nvSpPr>
-          <p:cNvPr id="7" name="Textfeld 6"/>
-          <p:cNvSpPr txBox="1"/>
-          <p:nvPr userDrawn="1"/>
-        </p:nvSpPr>
-        <p:spPr>
-          <a:xfrm>
-            <a:off x="239285" y="4936890"/>
-            <a:ext cx="1044856" cy="276999"/>
-          </a:xfrm>
-          <a:prstGeom prst="rect">
-            <a:avLst/>
-          </a:prstGeom>
-          <a:noFill/>
-        </p:spPr>
-        <p:txBody>
-          <a:bodyPr wrap="square" rtlCol="0">
-            <a:spAutoFit/>
-          </a:bodyPr>
-          <a:lstStyle/>
-          <a:p>
-            <a:r>
-              <a:rPr lang="de-DE" sz="600" dirty="0">
-                <a:solidFill>
-                  <a:srgbClr val="5D5E5F"/>
-                </a:solidFill>
-                <a:latin typeface="Avenir Light"/>
-                <a:cs typeface="Avenir Light"/>
-              </a:rPr>
-              <a:t>Letzte Änderung: </a:t>
-            </a:r>
-            <a:fld id="{7A8C7DAC-E536-564C-B5B3-90E8FAB50562}" type="datetime1">
-              <a:rPr lang="de-DE" sz="600" smtClean="0">
-                <a:solidFill>
-                  <a:srgbClr val="5D5E5F"/>
-                </a:solidFill>
-                <a:latin typeface="Avenir Light"/>
-                <a:cs typeface="Avenir Light"/>
-              </a:rPr>
-              <a:t>22.02.16</a:t>
-            </a:fld>
-            <a:endParaRPr lang="de-DE" sz="600" dirty="0">
-              <a:solidFill>
-                <a:srgbClr val="5D5E5F"/>
-              </a:solidFill>
-              <a:latin typeface="Avenir Light"/>
-              <a:cs typeface="Avenir Light"/>
-            </a:endParaRPr>
-          </a:p>
-        </p:txBody>
-      </p:sp>
     </p:spTree>
     <p:extLst>
       <p:ext uri="{BB962C8B-B14F-4D97-AF65-F5344CB8AC3E}">
@@ -694,10 +864,9 @@
           <a:lstStyle/>
           <a:p>
             <a:r>
-              <a:rPr lang="de-DE" smtClean="0"/>
+              <a:rPr lang="de-DE"/>
               <a:t>Mastertitelformat bearbeiten</a:t>
             </a:r>
-            <a:endParaRPr lang="de-DE"/>
           </a:p>
         </p:txBody>
       </p:sp>
@@ -718,7 +887,7 @@
           <a:p>
             <a:fld id="{FF5B2BAF-DF38-0A48-A798-0C06E514FD52}" type="datetimeFigureOut">
               <a:rPr lang="de-DE" smtClean="0"/>
-              <a:t>22.02.16</a:t>
+              <a:t>22.07.23</a:t>
             </a:fld>
             <a:endParaRPr lang="de-DE" dirty="0"/>
           </a:p>
@@ -829,17 +998,16 @@
           <a:p>
             <a:pPr marL="0" lvl="0" algn="l"/>
             <a:r>
-              <a:rPr lang="de-DE" dirty="0" smtClean="0"/>
+              <a:rPr lang="de-DE" dirty="0"/>
               <a:t>Überschrift </a:t>
             </a:r>
             <a:br>
-              <a:rPr lang="de-DE" dirty="0" smtClean="0"/>
+              <a:rPr lang="de-DE" dirty="0"/>
             </a:br>
             <a:r>
-              <a:rPr lang="de-DE" dirty="0" smtClean="0"/>
+              <a:rPr lang="de-DE" dirty="0"/>
               <a:t>bearbeiten </a:t>
             </a:r>
-            <a:endParaRPr lang="de-DE" dirty="0"/>
           </a:p>
         </p:txBody>
       </p:sp>
@@ -870,38 +1038,37 @@
           <a:p>
             <a:pPr lvl="0"/>
             <a:r>
-              <a:rPr lang="de-DE" dirty="0" smtClean="0"/>
+              <a:rPr lang="de-DE" dirty="0"/>
               <a:t>Mastertextformat bearbeiten</a:t>
             </a:r>
           </a:p>
           <a:p>
             <a:pPr lvl="1"/>
             <a:r>
-              <a:rPr lang="de-DE" dirty="0" smtClean="0"/>
+              <a:rPr lang="de-DE" dirty="0"/>
               <a:t>Zweite Ebene</a:t>
             </a:r>
           </a:p>
           <a:p>
             <a:pPr lvl="2"/>
             <a:r>
-              <a:rPr lang="de-DE" dirty="0" smtClean="0"/>
+              <a:rPr lang="de-DE" dirty="0"/>
               <a:t>Dritte Ebene</a:t>
             </a:r>
           </a:p>
           <a:p>
             <a:pPr lvl="3"/>
             <a:r>
-              <a:rPr lang="de-DE" dirty="0" smtClean="0"/>
+              <a:rPr lang="de-DE" dirty="0"/>
               <a:t>Vierte Ebene</a:t>
             </a:r>
           </a:p>
           <a:p>
             <a:pPr lvl="4"/>
             <a:r>
-              <a:rPr lang="de-DE" dirty="0" smtClean="0"/>
+              <a:rPr lang="de-DE" dirty="0"/>
               <a:t>Fünfte Ebene</a:t>
             </a:r>
-            <a:endParaRPr lang="de-DE" dirty="0"/>
           </a:p>
         </p:txBody>
       </p:sp>
@@ -940,7 +1107,7 @@
           <a:p>
             <a:fld id="{FF5B2BAF-DF38-0A48-A798-0C06E514FD52}" type="datetimeFigureOut">
               <a:rPr lang="de-DE" smtClean="0"/>
-              <a:t>22.02.16</a:t>
+              <a:t>22.07.23</a:t>
             </a:fld>
             <a:endParaRPr lang="de-DE" dirty="0"/>
           </a:p>
@@ -1174,7 +1341,7 @@
           <a:lstStyle/>
           <a:p>
             <a:r>
-              <a:rPr lang="de-DE" sz="1050" b="1" dirty="0" smtClean="0">
+              <a:rPr lang="de-DE" sz="1050" b="1" dirty="0">
                 <a:solidFill>
                   <a:schemeClr val="bg1"/>
                 </a:solidFill>
@@ -1184,7 +1351,7 @@
               <a:t>TRAININGSKARTE</a:t>
             </a:r>
             <a:r>
-              <a:rPr lang="de-DE" sz="1050" dirty="0" smtClean="0">
+              <a:rPr lang="de-DE" sz="1050" dirty="0">
                 <a:solidFill>
                   <a:schemeClr val="bg1"/>
                 </a:solidFill>
@@ -1194,7 +1361,7 @@
               <a:t> </a:t>
             </a:r>
             <a:r>
-              <a:rPr lang="de-DE" sz="1050" b="1" dirty="0" smtClean="0">
+              <a:rPr lang="de-DE" sz="1050" b="1" dirty="0">
                 <a:solidFill>
                   <a:schemeClr val="bg1"/>
                 </a:solidFill>
@@ -1203,13 +1370,6 @@
               </a:rPr>
               <a:t>TOM 20</a:t>
             </a:r>
-            <a:endParaRPr lang="de-DE" sz="1050" b="1" dirty="0">
-              <a:solidFill>
-                <a:schemeClr val="bg1"/>
-              </a:solidFill>
-              <a:latin typeface="Avenir Heavy"/>
-              <a:cs typeface="Avenir Heavy"/>
-            </a:endParaRPr>
           </a:p>
         </p:txBody>
       </p:sp>
@@ -1592,17 +1752,16 @@
           <a:lstStyle/>
           <a:p>
             <a:r>
-              <a:rPr lang="de-DE" dirty="0" smtClean="0">
+              <a:rPr lang="de-DE" dirty="0">
                 <a:latin typeface="Avenir Heavy"/>
                 <a:cs typeface="Avenir Heavy"/>
               </a:rPr>
               <a:t>SPIELE MIT </a:t>
             </a:r>
             <a:r>
-              <a:rPr lang="de-DE" dirty="0" smtClean="0"/>
+              <a:rPr lang="de-DE" dirty="0"/>
               <a:t>DEM PLAN</a:t>
             </a:r>
-            <a:endParaRPr lang="de-DE" dirty="0"/>
           </a:p>
         </p:txBody>
       </p:sp>
@@ -1665,7 +1824,6 @@
               <a:rPr lang="de-DE" sz="1200" dirty="0"/>
               <a:t>Wie auch im Sport ist ein gutes Training, ein Training, das diese Ausfallserscheinungen nicht produziert.</a:t>
             </a:r>
-            <a:endParaRPr lang="de-DE" sz="1200" dirty="0"/>
           </a:p>
         </p:txBody>
       </p:sp>
@@ -1688,10 +1846,9 @@
               <a:buNone/>
             </a:pPr>
             <a:r>
-              <a:rPr lang="de-DE" dirty="0" smtClean="0"/>
+              <a:rPr lang="de-DE" dirty="0"/>
               <a:t>Regina Brandhuber</a:t>
             </a:r>
-            <a:endParaRPr lang="de-DE" dirty="0"/>
           </a:p>
         </p:txBody>
       </p:sp>
@@ -1747,28 +1904,18 @@
               <a:t>Plane zweimal eine halbe Woche am Stück.   </a:t>
             </a:r>
-            <a:endParaRPr lang="de-DE" sz="1200" dirty="0" smtClean="0"/>
-          </a:p>
-          <a:p>
-            <a:r>
-              <a:rPr lang="de-DE" sz="1200" dirty="0" smtClean="0"/>
-              <a:t>Lege </a:t>
-            </a:r>
+          </a:p>
+          <a:p>
             <a:r>
               <a:rPr lang="de-DE" sz="1200" dirty="0"/>
-              <a:t>fest, wie lange eine halbe Woche für dich dauert: 2, 3 oder 4 Tage. Nimm ein Maß, das Dir sehr leicht vorkommt. +              <a:t>Lege fest, wie lange eine halbe Woche für dich dauert: 2, 3 oder 4 Tage. Nimm ein Maß, das Dir sehr leicht vorkommt.  </a:t>
             </a:r>
-            <a:endParaRPr lang="de-DE" sz="1200" dirty="0" smtClean="0"/>
-          </a:p>
-          <a:p>
-            <a:r>
-              <a:rPr lang="de-DE" sz="1200" dirty="0" smtClean="0"/>
-              <a:t>Bestimme</a:t>
-            </a:r>
+          </a:p>
+          <a:p>
             <a:r>
               <a:rPr lang="de-DE" sz="1200" dirty="0"/>
-              <a:t>, bevor Du die Woche beginnst, die Wochentage, die du </a:t>
+              <a:t>Bestimme, bevor Du die Woche beginnst, die Wochentage, die du </a:t>
             </a:r>
             <a:r>
               <a:rPr lang="de-DE" sz="1200" dirty="0" err="1"/>
@@ -1779,16 +1926,11 @@
               <a:t> möchtest.  </a:t>
             </a:r>
-            <a:endParaRPr lang="de-DE" sz="1200" dirty="0" smtClean="0"/>
-          </a:p>
-          <a:p>
-            <a:r>
-              <a:rPr lang="de-DE" sz="1200" dirty="0" smtClean="0"/>
-              <a:t>Schätze </a:t>
-            </a:r>
+          </a:p>
+          <a:p>
             <a:r>
               <a:rPr lang="de-DE" sz="1200" dirty="0"/>
-              <a:t>für jeden Tag Deine Kapazität (z.B. in Tomaten, siehe TOM 19) und dokumentiere am Abend, wie Dein Tag tatsächlich verlaufen ist. </a:t>
+              <a:t>Schätze für jeden Tag Deine Kapazität (z.B. in Tomaten, siehe TOM 19) und dokumentiere am Abend, wie Dein Tag tatsächlich verlaufen ist. </a:t>
             </a:r>
           </a:p>
           <a:p>
@@ -1800,22 +1942,17 @@
               <a:rPr lang="de-DE" sz="1200"/>
               <a:t>Ihnen </a:t>
             </a:r>
-            <a:r>
-              <a:rPr lang="de-DE" sz="1200" smtClean="0"/>
-              <a:t/>
-            </a:r>
             <a:br>
-              <a:rPr lang="de-DE" sz="1200" smtClean="0"/>
+              <a:rPr lang="de-DE" sz="1200"/>
             </a:br>
             <a:r>
-              <a:rPr lang="de-DE" sz="1200" smtClean="0"/>
+              <a:rPr lang="de-DE" sz="1200"/>
               <a:t>darüber </a:t>
             </a:r>
             <a:r>
               <a:rPr lang="de-DE" sz="1200" dirty="0"/>
               <a:t>und lass Dich von Ihnen zertifizieren.</a:t>
             </a:r>
-            <a:endParaRPr lang="de-DE" sz="1200" dirty="0"/>
           </a:p>
         </p:txBody>
       </p:sp>

--- a/training-cards/music moves/Tomatoes (TOM)/ger/apprentice/ger_TOM_20_Spiele_mit_dem_Plan_AM_A.pptx
+++ b/training-cards/music moves/Tomatoes (TOM)/ger/apprentice/ger_TOM_20_Spiele_mit_dem_Plan_AM_A.pptx
@@ -535,7 +535,7 @@
           </a:ln>
           <a:extLst>
             <a:ext uri="{C572A759-6A51-4108-AA02-DFA0A04FC94B}">
-              <ma14:wrappingTextBoxFlag xmlns:ma14="http://schemas.microsoft.com/office/mac/drawingml/2011/main" xmlns="" val="1"/>
+              <ma14:wrappingTextBoxFlag xmlns="" xmlns:ma14="http://schemas.microsoft.com/office/mac/drawingml/2011/main" val="1"/>
             </a:ext>
           </a:extLst>
         </p:spPr>
@@ -887,7 +887,7 @@
           <a:p>
             <a:fld id="{FF5B2BAF-DF38-0A48-A798-0C06E514FD52}" type="datetimeFigureOut">
               <a:rPr lang="de-DE" smtClean="0"/>
-              <a:t>22.07.23</a:t>
+              <a:t>01.08.24</a:t>
             </a:fld>
             <a:endParaRPr lang="de-DE" dirty="0"/>
           </a:p>
@@ -1107,7 +1107,7 @@
           <a:p>
             <a:fld id="{FF5B2BAF-DF38-0A48-A798-0C06E514FD52}" type="datetimeFigureOut">
               <a:rPr lang="de-DE" smtClean="0"/>
-              <a:t>22.07.23</a:t>
+              <a:t>01.08.24</a:t>
             </a:fld>
             <a:endParaRPr lang="de-DE" dirty="0"/>
           </a:p>
@@ -1782,12 +1782,14 @@
           </a:bodyPr>
           <a:lstStyle/>
           <a:p>
+            <a:pPr algn="just"/>
             <a:r>
               <a:rPr lang="de-DE" sz="1200" dirty="0"/>
               <a:t>Wenn man sich vornimmt jeden Tag zu trainieren, einen Plan zu haben und seine Kapazität zu erfüllen, kann eine ganze Woche richtig lange sein.</a:t>
             </a:r>
           </a:p>
           <a:p>
+            <a:pPr algn="just"/>
             <a:r>
               <a:rPr lang="de-DE" sz="1200" dirty="0"/>
               <a:t>Genauso wie ein </a:t>
@@ -1798,31 +1800,35 @@
             </a:r>
             <a:r>
               <a:rPr lang="de-DE" sz="1200" dirty="0"/>
-              <a:t> Muskulatur aufbaut um 90 min auf dem Platz alles geben zu können, braucht jede andere Art von Beschäftigung, die man professionell, also ausdauernd und sich wiederholend machen möchte, eine Zeit für den Muskelaufbau.</a:t>
-            </a:r>
-          </a:p>
-          <a:p>
+              <a:t> Kondition aufbaut um 90 min auf dem Platz alles geben zu können, braucht jede andere Art von Beschäftigung, die man professionell, also ausdauernd und sich wiederholend machen möchte, eine Zeit für den Konditionsaufbau.</a:t>
+            </a:r>
+          </a:p>
+          <a:p>
+            <a:pPr algn="just"/>
             <a:r>
               <a:rPr lang="de-DE" sz="1200" dirty="0"/>
-              <a:t>Die Muskulatur, um die es hier geht, ist aber eher eine innere Kraft sich zu konzentrieren, aufnahmefähig zu sein und andererseits so "gut" zu arbeiten, dass mehr Energie gewonnen wird, als es kostet.</a:t>
-            </a:r>
-          </a:p>
-          <a:p>
+              <a:t>Die Kondition, um die es hier geht, ist aber eher eine innere Kraft sich zu konzentrieren, aufnahmefähig zu sein und andererseits so zu arbeiten, dass mehr Energie gewonnen wird, als es kostet.</a:t>
+            </a:r>
+          </a:p>
+          <a:p>
+            <a:pPr algn="just"/>
             <a:r>
               <a:rPr lang="de-DE" sz="1200" dirty="0"/>
               <a:t>Genau wie körperliche Muskeln eine begrenzte Kapazität haben, haben "Arbeitsmuskeln" auch eine Obergrenze. </a:t>
             </a:r>
           </a:p>
           <a:p>
+            <a:pPr algn="just"/>
             <a:r>
               <a:rPr lang="de-DE" sz="1200" dirty="0"/>
               <a:t>Hier muss Du sehr achtsam mit Dir sein, denn Muskelkater gibt es hier bei Überlastung nicht. Dafür aber Müdigkeit, Unlust, Kopfweh oder Ähnliches.</a:t>
             </a:r>
           </a:p>
           <a:p>
+            <a:pPr algn="just"/>
             <a:r>
               <a:rPr lang="de-DE" sz="1200" dirty="0"/>
-              <a:t>Wie auch im Sport ist ein gutes Training, ein Training, das diese Ausfallserscheinungen nicht produziert.</a:t>
+              <a:t>Wie auch im Sport ist ein gutes Training, ein Training, das diese Ausfallserscheinungen nicht übertrieben produziert.</a:t>
             </a:r>
           </a:p>
         </p:txBody>
@@ -1899,6 +1905,7 @@
           </a:bodyPr>
           <a:lstStyle/>
           <a:p>
+            <a:pPr algn="just"/>
             <a:r>
               <a:rPr lang="de-DE" sz="1200" dirty="0"/>
               <a:t>Plane zweimal eine halbe Woche am Stück.  @@ -1906,6 +1913,7 @@
             </a:r>
           </a:p>
           <a:p>
+            <a:pPr algn="just"/>
             <a:r>
               <a:rPr lang="de-DE" sz="1200" dirty="0"/>
               <a:t>Lege fest, wie lange eine halbe Woche für dich dauert: 2, 3 oder 4 Tage. Nimm ein Maß, das Dir sehr leicht vorkommt. @@ -1913,17 +1921,10 @@
             </a:r>
           </a:p>
           <a:p>
+            <a:pPr algn="just"/>
             <a:r>
               <a:rPr lang="de-DE" sz="1200" dirty="0"/>
-              <a:t>Bestimme, bevor Du die Woche beginnst, die Wochentage, die du </a:t>
-            </a:r>
-            <a:r>
-              <a:rPr lang="de-DE" sz="1200" dirty="0" err="1"/>
-              <a:t>beplanen</a:t>
-            </a:r>
-            <a:r>
-              <a:rPr lang="de-DE" sz="1200" dirty="0"/>
-              <a:t> möchtest. +              <a:t>Bestimme, bevor Du die Woche beginnst, die Wochentage, die du planen möchtest.  </a:t>
             </a:r>
           </a:p>
@@ -1936,22 +1937,14 @@
           <a:p>
             <a:r>
               <a:rPr lang="de-DE" sz="1200" dirty="0"/>
-              <a:t>Zeige deine Dokumentation deinem Team, sprich mit </a:t>
-            </a:r>
-            <a:r>
-              <a:rPr lang="de-DE" sz="1200"/>
-              <a:t>Ihnen </a:t>
+              <a:t>Zeige deine Dokumentation deinem Team, sprich mit Ihnen </a:t>
             </a:r>
             <a:br>
-              <a:rPr lang="de-DE" sz="1200"/>
+              <a:rPr lang="de-DE" sz="1200" dirty="0"/>
             </a:br>
             <a:r>
-              <a:rPr lang="de-DE" sz="1200"/>
-              <a:t>darüber </a:t>
-            </a:r>
-            <a:r>
               <a:rPr lang="de-DE" sz="1200" dirty="0"/>
-              <a:t>und lass Dich von Ihnen zertifizieren.</a:t>
+              <a:t>darüber und lass Dich von Ihnen zertifizieren.</a:t>
             </a:r>
           </a:p>
         </p:txBody>
